--- a/UML图/MongoDB期末大作业项目效果展示.pptx
+++ b/UML图/MongoDB期末大作业项目效果展示.pptx
@@ -149,7 +149,7 @@
             <a:srgbClr val="A4A3A4"/>
           </p15:clr>
         </p15:guide>
-        <p15:guide id="2" pos="3840" userDrawn="1">
+        <p15:guide id="2" pos="3822" userDrawn="1">
           <p15:clr>
             <a:srgbClr val="A4A3A4"/>
           </p15:clr>

--- a/UML图/MongoDB期末大作业项目效果展示.pptx
+++ b/UML图/MongoDB期末大作业项目效果展示.pptx
@@ -35,8 +35,8 @@
     <p:sldId id="457" r:id="rId25"/>
     <p:sldId id="458" r:id="rId26"/>
     <p:sldId id="459" r:id="rId27"/>
-    <p:sldId id="460" r:id="rId28"/>
-    <p:sldId id="461" r:id="rId29"/>
+    <p:sldId id="468" r:id="rId28"/>
+    <p:sldId id="460" r:id="rId29"/>
     <p:sldId id="463" r:id="rId30"/>
     <p:sldId id="466" r:id="rId31"/>
     <p:sldId id="275" r:id="rId32"/>
@@ -21938,244 +21938,6 @@
           </a:p>
         </p:txBody>
       </p:sp>
-      <p:sp>
-        <p:nvSpPr>
-          <p:cNvPr id="19" name="TextBox 11"/>
-          <p:cNvSpPr txBox="1"/>
-          <p:nvPr/>
-        </p:nvSpPr>
-        <p:spPr>
-          <a:xfrm>
-            <a:off x="5555399" y="2670854"/>
-            <a:ext cx="1393190" cy="245745"/>
-          </a:xfrm>
-          <a:prstGeom prst="rect">
-            <a:avLst/>
-          </a:prstGeom>
-          <a:noFill/>
-        </p:spPr>
-        <p:txBody>
-          <a:bodyPr wrap="none" lIns="0" tIns="0" rIns="0" bIns="0" rtlCol="0">
-            <a:spAutoFit/>
-          </a:bodyPr>
-          <a:lstStyle/>
-          <a:p>
-            <a:pPr marL="0" marR="0" lvl="1" indent="0" defTabSz="914400" eaLnBrk="1" fontAlgn="auto" latinLnBrk="0" hangingPunct="1">
-              <a:lnSpc>
-                <a:spcPct val="100000"/>
-              </a:lnSpc>
-              <a:spcBef>
-                <a:spcPts val="0"/>
-              </a:spcBef>
-              <a:spcAft>
-                <a:spcPts val="0"/>
-              </a:spcAft>
-              <a:buClrTx/>
-              <a:buSzTx/>
-              <a:buFont typeface="Arial" panose="020B0604020202020204" pitchFamily="34" charset="0"/>
-              <a:buNone/>
-              <a:defRPr/>
-            </a:pPr>
-            <a:r>
-              <a:rPr kumimoji="0" lang="en-US" altLang="zh-CN" sz="1600" b="0" i="0" u="none" strike="noStrike" kern="0" cap="none" spc="0" normalizeH="0" baseline="0" noProof="0" dirty="0" smtClean="0">
-                <a:ln>
-                  <a:noFill/>
-                </a:ln>
-                <a:solidFill>
-                  <a:prstClr val="white">
-                    <a:lumMod val="50000"/>
-                  </a:prstClr>
-                </a:solidFill>
-                <a:effectLst/>
-                <a:uLnTx/>
-                <a:uFillTx/>
-                <a:cs typeface="+mn-ea"/>
-                <a:sym typeface="+mn-lt"/>
-              </a:rPr>
-              <a:t>1</a:t>
-            </a:r>
-            <a:r>
-              <a:rPr kumimoji="0" lang="zh-CN" altLang="en-US" sz="1600" b="0" i="0" u="none" strike="noStrike" kern="0" cap="none" spc="0" normalizeH="0" baseline="0" noProof="0" dirty="0" smtClean="0">
-                <a:ln>
-                  <a:noFill/>
-                </a:ln>
-                <a:solidFill>
-                  <a:prstClr val="white">
-                    <a:lumMod val="50000"/>
-                  </a:prstClr>
-                </a:solidFill>
-                <a:effectLst/>
-                <a:uLnTx/>
-                <a:uFillTx/>
-                <a:cs typeface="+mn-ea"/>
-                <a:sym typeface="+mn-lt"/>
-              </a:rPr>
-              <a:t>、安装</a:t>
-            </a:r>
-            <a:r>
-              <a:rPr kumimoji="0" lang="en-US" altLang="zh-CN" sz="1600" b="0" i="0" u="none" strike="noStrike" kern="0" cap="none" spc="0" normalizeH="0" baseline="0" noProof="0" dirty="0" smtClean="0">
-                <a:ln>
-                  <a:noFill/>
-                </a:ln>
-                <a:solidFill>
-                  <a:prstClr val="white">
-                    <a:lumMod val="50000"/>
-                  </a:prstClr>
-                </a:solidFill>
-                <a:effectLst/>
-                <a:uLnTx/>
-                <a:uFillTx/>
-                <a:cs typeface="+mn-ea"/>
-                <a:sym typeface="+mn-lt"/>
-              </a:rPr>
-              <a:t>docker</a:t>
-            </a:r>
-            <a:endParaRPr kumimoji="0" lang="en-US" altLang="zh-CN" sz="1600" b="0" i="0" u="none" strike="noStrike" kern="0" cap="none" spc="0" normalizeH="0" baseline="0" noProof="0" dirty="0" smtClean="0">
-              <a:ln>
-                <a:noFill/>
-              </a:ln>
-              <a:solidFill>
-                <a:prstClr val="white">
-                  <a:lumMod val="50000"/>
-                </a:prstClr>
-              </a:solidFill>
-              <a:effectLst/>
-              <a:uLnTx/>
-              <a:uFillTx/>
-              <a:cs typeface="+mn-ea"/>
-              <a:sym typeface="+mn-lt"/>
-            </a:endParaRPr>
-          </a:p>
-        </p:txBody>
-      </p:sp>
-      <p:sp>
-        <p:nvSpPr>
-          <p:cNvPr id="20" name="TextBox 11"/>
-          <p:cNvSpPr txBox="1"/>
-          <p:nvPr/>
-        </p:nvSpPr>
-        <p:spPr>
-          <a:xfrm>
-            <a:off x="5555669" y="3320345"/>
-            <a:ext cx="4441190" cy="245745"/>
-          </a:xfrm>
-          <a:prstGeom prst="rect">
-            <a:avLst/>
-          </a:prstGeom>
-          <a:noFill/>
-        </p:spPr>
-        <p:txBody>
-          <a:bodyPr wrap="none" lIns="0" tIns="0" rIns="0" bIns="0" rtlCol="0">
-            <a:spAutoFit/>
-          </a:bodyPr>
-          <a:lstStyle/>
-          <a:p>
-            <a:pPr marL="0" marR="0" lvl="1" indent="0" defTabSz="914400" eaLnBrk="1" fontAlgn="auto" latinLnBrk="0" hangingPunct="1">
-              <a:lnSpc>
-                <a:spcPct val="100000"/>
-              </a:lnSpc>
-              <a:spcBef>
-                <a:spcPts val="0"/>
-              </a:spcBef>
-              <a:spcAft>
-                <a:spcPts val="0"/>
-              </a:spcAft>
-              <a:buClrTx/>
-              <a:buSzTx/>
-              <a:buFont typeface="Arial" panose="020B0604020202020204" pitchFamily="34" charset="0"/>
-              <a:buNone/>
-              <a:defRPr/>
-            </a:pPr>
-            <a:r>
-              <a:rPr kumimoji="0" lang="en-US" altLang="zh-CN" sz="1600" b="0" i="0" u="none" strike="noStrike" kern="0" cap="none" spc="0" normalizeH="0" baseline="0" noProof="0" dirty="0" smtClean="0">
-                <a:ln>
-                  <a:noFill/>
-                </a:ln>
-                <a:solidFill>
-                  <a:prstClr val="white">
-                    <a:lumMod val="50000"/>
-                  </a:prstClr>
-                </a:solidFill>
-                <a:effectLst/>
-                <a:uLnTx/>
-                <a:uFillTx/>
-                <a:cs typeface="+mn-ea"/>
-                <a:sym typeface="+mn-lt"/>
-              </a:rPr>
-              <a:t>2</a:t>
-            </a:r>
-            <a:r>
-              <a:rPr kumimoji="0" lang="zh-CN" altLang="en-US" sz="1600" b="0" i="0" u="none" strike="noStrike" kern="0" cap="none" spc="0" normalizeH="0" baseline="0" noProof="0" dirty="0" smtClean="0">
-                <a:ln>
-                  <a:noFill/>
-                </a:ln>
-                <a:solidFill>
-                  <a:prstClr val="white">
-                    <a:lumMod val="50000"/>
-                  </a:prstClr>
-                </a:solidFill>
-                <a:effectLst/>
-                <a:uLnTx/>
-                <a:uFillTx/>
-                <a:cs typeface="+mn-ea"/>
-                <a:sym typeface="+mn-lt"/>
-              </a:rPr>
-              <a:t>、</a:t>
-            </a:r>
-            <a:r>
-              <a:rPr kumimoji="0" lang="en-US" altLang="zh-CN" sz="1600" b="0" i="0" u="none" strike="noStrike" kern="0" cap="none" spc="0" normalizeH="0" baseline="0" noProof="0" dirty="0" smtClean="0">
-                <a:ln>
-                  <a:noFill/>
-                </a:ln>
-                <a:solidFill>
-                  <a:prstClr val="white">
-                    <a:lumMod val="50000"/>
-                  </a:prstClr>
-                </a:solidFill>
-                <a:effectLst/>
-                <a:uLnTx/>
-                <a:uFillTx/>
-                <a:cs typeface="+mn-ea"/>
-                <a:sym typeface="+mn-lt"/>
-              </a:rPr>
-              <a:t>docker</a:t>
-            </a:r>
-            <a:r>
-              <a:rPr kumimoji="0" lang="zh-CN" altLang="en-US" sz="1600" b="0" i="0" u="none" strike="noStrike" kern="0" cap="none" spc="0" normalizeH="0" baseline="0" noProof="0" dirty="0" smtClean="0">
-                <a:ln>
-                  <a:noFill/>
-                </a:ln>
-                <a:solidFill>
-                  <a:prstClr val="white">
-                    <a:lumMod val="50000"/>
-                  </a:prstClr>
-                </a:solidFill>
-                <a:effectLst/>
-                <a:uLnTx/>
-                <a:uFillTx/>
-                <a:cs typeface="+mn-ea"/>
-                <a:sym typeface="+mn-lt"/>
-              </a:rPr>
-              <a:t>部署前端应用、后端服务、数据库脚本</a:t>
-            </a:r>
-            <a:endParaRPr kumimoji="0" lang="zh-CN" altLang="en-US" sz="1600" b="0" i="0" u="none" strike="noStrike" kern="0" cap="none" spc="0" normalizeH="0" baseline="0" noProof="0" dirty="0" smtClean="0">
-              <a:ln>
-                <a:noFill/>
-              </a:ln>
-              <a:solidFill>
-                <a:prstClr val="white">
-                  <a:lumMod val="50000"/>
-                </a:prstClr>
-              </a:solidFill>
-              <a:effectLst/>
-              <a:uLnTx/>
-              <a:uFillTx/>
-              <a:cs typeface="+mn-ea"/>
-              <a:sym typeface="+mn-lt"/>
-            </a:endParaRPr>
-          </a:p>
-        </p:txBody>
-      </p:sp>
     </p:spTree>
     <p:custDataLst>
       <p:tags r:id="rId2"/>
@@ -22292,140 +22054,6 @@
                             </p:childTnLst>
                           </p:cTn>
                         </p:par>
-                        <p:par>
-                          <p:cTn id="10" fill="hold">
-                            <p:stCondLst>
-                              <p:cond delay="500"/>
-                            </p:stCondLst>
-                            <p:childTnLst>
-                              <p:par>
-                                <p:cTn id="11" presetID="12" presetClass="entr" presetSubtype="8" fill="hold" grpId="0" nodeType="afterEffect">
-                                  <p:stCondLst>
-                                    <p:cond delay="0"/>
-                                  </p:stCondLst>
-                                  <p:childTnLst>
-                                    <p:set>
-                                      <p:cBhvr>
-                                        <p:cTn id="12" dur="1" fill="hold">
-                                          <p:stCondLst>
-                                            <p:cond delay="0"/>
-                                          </p:stCondLst>
-                                        </p:cTn>
-                                        <p:tgtEl>
-                                          <p:spTgt spid="19"/>
-                                        </p:tgtEl>
-                                        <p:attrNameLst>
-                                          <p:attrName>style.visibility</p:attrName>
-                                        </p:attrNameLst>
-                                      </p:cBhvr>
-                                      <p:to>
-                                        <p:strVal val="visible"/>
-                                      </p:to>
-                                    </p:set>
-                                    <p:anim calcmode="lin" valueType="num">
-                                      <p:cBhvr additive="base">
-                                        <p:cTn id="13" dur="500"/>
-                                        <p:tgtEl>
-                                          <p:spTgt spid="19"/>
-                                        </p:tgtEl>
-                                        <p:attrNameLst>
-                                          <p:attrName>ppt_x</p:attrName>
-                                        </p:attrNameLst>
-                                      </p:cBhvr>
-                                      <p:tavLst>
-                                        <p:tav tm="0">
-                                          <p:val>
-                                            <p:strVal val="#ppt_x-#ppt_w*1.125000"/>
-                                          </p:val>
-                                        </p:tav>
-                                        <p:tav tm="100000">
-                                          <p:val>
-                                            <p:strVal val="#ppt_x"/>
-                                          </p:val>
-                                        </p:tav>
-                                      </p:tavLst>
-                                    </p:anim>
-                                    <p:animEffect transition="in" filter="wipe(right)">
-                                      <p:cBhvr>
-                                        <p:cTn id="14" dur="500"/>
-                                        <p:tgtEl>
-                                          <p:spTgt spid="19"/>
-                                        </p:tgtEl>
-                                      </p:cBhvr>
-                                    </p:animEffect>
-                                  </p:childTnLst>
-                                </p:cTn>
-                              </p:par>
-                            </p:childTnLst>
-                          </p:cTn>
-                        </p:par>
-                        <p:par>
-                          <p:cTn id="15" fill="hold">
-                            <p:stCondLst>
-                              <p:cond delay="1000"/>
-                            </p:stCondLst>
-                            <p:childTnLst>
-                              <p:par>
-                                <p:cTn id="16" presetID="12" presetClass="entr" presetSubtype="8" fill="hold" grpId="0" nodeType="afterEffect">
-                                  <p:stCondLst>
-                                    <p:cond delay="0"/>
-                                  </p:stCondLst>
-                                  <p:childTnLst>
-                                    <p:set>
-                                      <p:cBhvr>
-                                        <p:cTn id="17" dur="1" fill="hold">
-                                          <p:stCondLst>
-                                            <p:cond delay="0"/>
-                                          </p:stCondLst>
-                                        </p:cTn>
-                                        <p:tgtEl>
-                                          <p:spTgt spid="20"/>
-                                        </p:tgtEl>
-                                        <p:attrNameLst>
-                                          <p:attrName>style.visibility</p:attrName>
-                                        </p:attrNameLst>
-                                      </p:cBhvr>
-                                      <p:to>
-                                        <p:strVal val="visible"/>
-                                      </p:to>
-                                    </p:set>
-                                    <p:anim calcmode="lin" valueType="num">
-                                      <p:cBhvr additive="base">
-                                        <p:cTn id="18" dur="500"/>
-                                        <p:tgtEl>
-                                          <p:spTgt spid="20"/>
-                                        </p:tgtEl>
-                                        <p:attrNameLst>
-                                          <p:attrName>ppt_x</p:attrName>
-                                        </p:attrNameLst>
-                                      </p:cBhvr>
-                                      <p:tavLst>
-                                        <p:tav tm="0">
-                                          <p:val>
-                                            <p:strVal val="#ppt_x-#ppt_w*1.125000"/>
-                                          </p:val>
-                                        </p:tav>
-                                        <p:tav tm="100000">
-                                          <p:val>
-                                            <p:strVal val="#ppt_x"/>
-                                          </p:val>
-                                        </p:tav>
-                                      </p:tavLst>
-                                    </p:anim>
-                                    <p:animEffect transition="in" filter="wipe(right)">
-                                      <p:cBhvr>
-                                        <p:cTn id="19" dur="500"/>
-                                        <p:tgtEl>
-                                          <p:spTgt spid="20"/>
-                                        </p:tgtEl>
-                                      </p:cBhvr>
-                                    </p:animEffect>
-                                  </p:childTnLst>
-                                </p:cTn>
-                              </p:par>
-                            </p:childTnLst>
-                          </p:cTn>
-                        </p:par>
                       </p:childTnLst>
                     </p:cTn>
                   </p:par>
@@ -22452,8 +22080,6 @@
     </p:tnLst>
     <p:bldLst>
       <p:bldP spid="9" grpId="0"/>
-      <p:bldP spid="19" grpId="0"/>
-      <p:bldP spid="20" grpId="0"/>
     </p:bldLst>
   </p:timing>
 </p:sld>
@@ -22476,480 +22102,28 @@
           <a:chExt cx="0" cy="0"/>
         </a:xfrm>
       </p:grpSpPr>
-      <p:sp>
-        <p:nvSpPr>
-          <p:cNvPr id="2" name="Title 6"/>
-          <p:cNvSpPr txBox="1"/>
-          <p:nvPr>
-            <p:custDataLst>
-              <p:tags r:id="rId1"/>
-            </p:custDataLst>
-          </p:nvPr>
-        </p:nvSpPr>
-        <p:spPr>
-          <a:xfrm>
-            <a:off x="288925" y="241300"/>
-            <a:ext cx="3677920" cy="368935"/>
-          </a:xfrm>
-          <a:prstGeom prst="rect">
-            <a:avLst/>
-          </a:prstGeom>
-          <a:noFill/>
-          <a:ln>
-            <a:noFill/>
-          </a:ln>
-          <a:effectLst/>
-          <a:extLst>
-            <a:ext uri="{909E8E84-426E-40DD-AFC4-6F175D3DCCD1}">
-              <a14:hiddenFill xmlns:a14="http://schemas.microsoft.com/office/drawing/2010/main">
-                <a:solidFill>
-                  <a:srgbClr val="FFFFFF"/>
-                </a:solidFill>
-              </a14:hiddenFill>
-            </a:ext>
-            <a:ext uri="{91240B29-F687-4F45-9708-019B960494DF}">
-              <a14:hiddenLine xmlns:a14="http://schemas.microsoft.com/office/drawing/2010/main" w="9525">
-                <a:solidFill>
-                  <a:srgbClr val="000000"/>
-                </a:solidFill>
-                <a:miter lim="800000"/>
-                <a:headEnd/>
-                <a:tailEnd/>
-              </a14:hiddenLine>
-            </a:ext>
-          </a:extLst>
-        </p:spPr>
-        <p:txBody>
-          <a:bodyPr wrap="square" lIns="0" tIns="0" rIns="0" bIns="0">
-            <a:spAutoFit/>
-          </a:bodyPr>
-          <a:lstStyle>
-            <a:defPPr>
-              <a:defRPr lang="zh-CN"/>
-            </a:defPPr>
-            <a:lvl1pPr algn="r">
-              <a:spcBef>
-                <a:spcPct val="20000"/>
-              </a:spcBef>
-              <a:buFont typeface="Arial" panose="020B0604020202020204" pitchFamily="34" charset="0"/>
-              <a:buNone/>
-              <a:defRPr sz="6000">
-                <a:gradFill>
-                  <a:gsLst>
-                    <a:gs pos="0">
-                      <a:srgbClr val="69B4B4"/>
-                    </a:gs>
-                    <a:gs pos="100000">
-                      <a:srgbClr val="2A5294"/>
-                    </a:gs>
-                  </a:gsLst>
-                  <a:lin ang="5400000" scaled="0"/>
-                </a:gradFill>
-                <a:cs typeface="+mn-ea"/>
-              </a:defRPr>
-            </a:lvl1pPr>
-            <a:lvl2pPr marL="742950" indent="-285750">
-              <a:spcBef>
-                <a:spcPct val="20000"/>
-              </a:spcBef>
-              <a:buFont typeface="Arial" panose="020B0604020202020204" pitchFamily="34" charset="0"/>
-              <a:buChar char="–"/>
-              <a:defRPr sz="2800">
-                <a:latin typeface="微软雅黑" panose="020B0503020204020204" charset="-122"/>
-                <a:ea typeface="微软雅黑" panose="020B0503020204020204" charset="-122"/>
-              </a:defRPr>
-            </a:lvl2pPr>
-            <a:lvl3pPr marL="1143000" indent="-228600">
-              <a:spcBef>
-                <a:spcPct val="20000"/>
-              </a:spcBef>
-              <a:buFont typeface="Arial" panose="020B0604020202020204" pitchFamily="34" charset="0"/>
-              <a:buChar char="•"/>
-              <a:defRPr sz="2400">
-                <a:latin typeface="微软雅黑" panose="020B0503020204020204" charset="-122"/>
-                <a:ea typeface="微软雅黑" panose="020B0503020204020204" charset="-122"/>
-              </a:defRPr>
-            </a:lvl3pPr>
-            <a:lvl4pPr marL="1600200" indent="-228600">
-              <a:spcBef>
-                <a:spcPct val="20000"/>
-              </a:spcBef>
-              <a:buFont typeface="Arial" panose="020B0604020202020204" pitchFamily="34" charset="0"/>
-              <a:buChar char="–"/>
-              <a:defRPr sz="2000">
-                <a:latin typeface="微软雅黑" panose="020B0503020204020204" charset="-122"/>
-                <a:ea typeface="微软雅黑" panose="020B0503020204020204" charset="-122"/>
-              </a:defRPr>
-            </a:lvl4pPr>
-            <a:lvl5pPr marL="2057400" indent="-228600">
-              <a:spcBef>
-                <a:spcPct val="20000"/>
-              </a:spcBef>
-              <a:buFont typeface="Arial" panose="020B0604020202020204" pitchFamily="34" charset="0"/>
-              <a:buChar char="»"/>
-              <a:defRPr sz="2000">
-                <a:latin typeface="微软雅黑" panose="020B0503020204020204" charset="-122"/>
-                <a:ea typeface="微软雅黑" panose="020B0503020204020204" charset="-122"/>
-              </a:defRPr>
-            </a:lvl5pPr>
-            <a:lvl6pPr marL="2514600" indent="-228600" eaLnBrk="0" fontAlgn="base" hangingPunct="0">
-              <a:spcBef>
-                <a:spcPct val="20000"/>
-              </a:spcBef>
-              <a:spcAft>
-                <a:spcPct val="0"/>
-              </a:spcAft>
-              <a:buFont typeface="Arial" panose="020B0604020202020204" pitchFamily="34" charset="0"/>
-              <a:buChar char="»"/>
-              <a:defRPr sz="2000">
-                <a:latin typeface="微软雅黑" panose="020B0503020204020204" charset="-122"/>
-                <a:ea typeface="微软雅黑" panose="020B0503020204020204" charset="-122"/>
-              </a:defRPr>
-            </a:lvl6pPr>
-            <a:lvl7pPr marL="2971800" indent="-228600" eaLnBrk="0" fontAlgn="base" hangingPunct="0">
-              <a:spcBef>
-                <a:spcPct val="20000"/>
-              </a:spcBef>
-              <a:spcAft>
-                <a:spcPct val="0"/>
-              </a:spcAft>
-              <a:buFont typeface="Arial" panose="020B0604020202020204" pitchFamily="34" charset="0"/>
-              <a:buChar char="»"/>
-              <a:defRPr sz="2000">
-                <a:latin typeface="微软雅黑" panose="020B0503020204020204" charset="-122"/>
-                <a:ea typeface="微软雅黑" panose="020B0503020204020204" charset="-122"/>
-              </a:defRPr>
-            </a:lvl7pPr>
-            <a:lvl8pPr marL="3429000" indent="-228600" eaLnBrk="0" fontAlgn="base" hangingPunct="0">
-              <a:spcBef>
-                <a:spcPct val="20000"/>
-              </a:spcBef>
-              <a:spcAft>
-                <a:spcPct val="0"/>
-              </a:spcAft>
-              <a:buFont typeface="Arial" panose="020B0604020202020204" pitchFamily="34" charset="0"/>
-              <a:buChar char="»"/>
-              <a:defRPr sz="2000">
-                <a:latin typeface="微软雅黑" panose="020B0503020204020204" charset="-122"/>
-                <a:ea typeface="微软雅黑" panose="020B0503020204020204" charset="-122"/>
-              </a:defRPr>
-            </a:lvl8pPr>
-            <a:lvl9pPr marL="3886200" indent="-228600" eaLnBrk="0" fontAlgn="base" hangingPunct="0">
-              <a:spcBef>
-                <a:spcPct val="20000"/>
-              </a:spcBef>
-              <a:spcAft>
-                <a:spcPct val="0"/>
-              </a:spcAft>
-              <a:buFont typeface="Arial" panose="020B0604020202020204" pitchFamily="34" charset="0"/>
-              <a:buChar char="»"/>
-              <a:defRPr sz="2000">
-                <a:latin typeface="微软雅黑" panose="020B0503020204020204" charset="-122"/>
-                <a:ea typeface="微软雅黑" panose="020B0503020204020204" charset="-122"/>
-              </a:defRPr>
-            </a:lvl9pPr>
-          </a:lstStyle>
-          <a:p>
-            <a:pPr algn="l"/>
-            <a:r>
-              <a:rPr lang="en-US" altLang="zh-CN" sz="2400" kern="0" noProof="0" dirty="0" smtClean="0">
-                <a:ln>
-                  <a:noFill/>
-                </a:ln>
-                <a:solidFill>
-                  <a:prstClr val="white">
-                    <a:lumMod val="50000"/>
-                  </a:prstClr>
-                </a:solidFill>
-                <a:effectLst/>
-                <a:uLnTx/>
-                <a:uFillTx/>
-                <a:sym typeface="+mn-lt"/>
-              </a:rPr>
-              <a:t>1</a:t>
-            </a:r>
-            <a:r>
-              <a:rPr lang="zh-CN" altLang="en-US" sz="2400" kern="0" noProof="0" dirty="0" smtClean="0">
-                <a:ln>
-                  <a:noFill/>
-                </a:ln>
-                <a:solidFill>
-                  <a:prstClr val="white">
-                    <a:lumMod val="50000"/>
-                  </a:prstClr>
-                </a:solidFill>
-                <a:effectLst/>
-                <a:uLnTx/>
-                <a:uFillTx/>
-                <a:sym typeface="+mn-lt"/>
-              </a:rPr>
-              <a:t>、安装</a:t>
-            </a:r>
-            <a:r>
-              <a:rPr lang="en-US" altLang="zh-CN" sz="2400" kern="0" noProof="0" dirty="0" smtClean="0">
-                <a:ln>
-                  <a:noFill/>
-                </a:ln>
-                <a:solidFill>
-                  <a:prstClr val="white">
-                    <a:lumMod val="50000"/>
-                  </a:prstClr>
-                </a:solidFill>
-                <a:effectLst/>
-                <a:uLnTx/>
-                <a:uFillTx/>
-                <a:sym typeface="+mn-lt"/>
-              </a:rPr>
-              <a:t>docker</a:t>
-            </a:r>
-            <a:endParaRPr lang="en-US" altLang="zh-CN" sz="2400" kern="0" noProof="0" dirty="0" smtClean="0">
-              <a:ln>
-                <a:noFill/>
-              </a:ln>
-              <a:solidFill>
-                <a:prstClr val="white">
-                  <a:lumMod val="50000"/>
-                </a:prstClr>
-              </a:solidFill>
-              <a:effectLst/>
-              <a:uLnTx/>
-              <a:uFillTx/>
-              <a:sym typeface="+mn-lt"/>
-            </a:endParaRPr>
-          </a:p>
-        </p:txBody>
-      </p:sp>
-      <p:grpSp>
-        <p:nvGrpSpPr>
-          <p:cNvPr id="3" name="组合 2"/>
-          <p:cNvGrpSpPr/>
-          <p:nvPr/>
-        </p:nvGrpSpPr>
-        <p:grpSpPr>
-          <a:xfrm>
-            <a:off x="3683188" y="320040"/>
-            <a:ext cx="445770" cy="289560"/>
-            <a:chOff x="2921" y="476"/>
-            <a:chExt cx="774" cy="502"/>
-          </a:xfrm>
-        </p:grpSpPr>
-        <p:sp>
-          <p:nvSpPr>
-            <p:cNvPr id="4" name="燕尾形 3"/>
-            <p:cNvSpPr/>
-            <p:nvPr/>
-          </p:nvSpPr>
-          <p:spPr>
-            <a:xfrm>
-              <a:off x="2921" y="476"/>
-              <a:ext cx="312" cy="503"/>
-            </a:xfrm>
-            <a:prstGeom prst="chevron">
-              <a:avLst/>
-            </a:prstGeom>
-            <a:solidFill>
-              <a:srgbClr val="69B4B4"/>
-            </a:solidFill>
-            <a:ln>
-              <a:noFill/>
-            </a:ln>
-          </p:spPr>
-          <p:style>
-            <a:lnRef idx="2">
-              <a:schemeClr val="accent1">
-                <a:shade val="50000"/>
-              </a:schemeClr>
-            </a:lnRef>
-            <a:fillRef idx="1">
-              <a:schemeClr val="accent1"/>
-            </a:fillRef>
-            <a:effectRef idx="0">
-              <a:schemeClr val="accent1"/>
-            </a:effectRef>
-            <a:fontRef idx="minor">
-              <a:schemeClr val="lt1"/>
-            </a:fontRef>
-          </p:style>
-          <p:txBody>
-            <a:bodyPr anchor="ctr"/>
-            <a:lstStyle/>
-            <a:p>
-              <a:pPr algn="ctr" fontAlgn="auto">
-                <a:spcBef>
-                  <a:spcPts val="0"/>
-                </a:spcBef>
-                <a:spcAft>
-                  <a:spcPts val="0"/>
-                </a:spcAft>
-                <a:buFontTx/>
-                <a:buNone/>
-                <a:defRPr/>
-              </a:pPr>
-              <a:endParaRPr lang="zh-CN" altLang="en-US" dirty="0">
-                <a:solidFill>
-                  <a:srgbClr val="69B4B4"/>
-                </a:solidFill>
-                <a:cs typeface="+mn-ea"/>
-                <a:sym typeface="+mn-lt"/>
-              </a:endParaRPr>
-            </a:p>
-          </p:txBody>
-        </p:sp>
-        <p:sp>
-          <p:nvSpPr>
-            <p:cNvPr id="5" name="燕尾形 4"/>
-            <p:cNvSpPr/>
-            <p:nvPr/>
-          </p:nvSpPr>
-          <p:spPr>
-            <a:xfrm>
-              <a:off x="3153" y="476"/>
-              <a:ext cx="310" cy="503"/>
-            </a:xfrm>
-            <a:prstGeom prst="chevron">
-              <a:avLst/>
-            </a:prstGeom>
-            <a:solidFill>
-              <a:srgbClr val="69B4B4"/>
-            </a:solidFill>
-            <a:ln>
-              <a:noFill/>
-            </a:ln>
-          </p:spPr>
-          <p:style>
-            <a:lnRef idx="2">
-              <a:schemeClr val="accent1">
-                <a:shade val="50000"/>
-              </a:schemeClr>
-            </a:lnRef>
-            <a:fillRef idx="1">
-              <a:schemeClr val="accent1"/>
-            </a:fillRef>
-            <a:effectRef idx="0">
-              <a:schemeClr val="accent1"/>
-            </a:effectRef>
-            <a:fontRef idx="minor">
-              <a:schemeClr val="lt1"/>
-            </a:fontRef>
-          </p:style>
-          <p:txBody>
-            <a:bodyPr anchor="ctr"/>
-            <a:lstStyle/>
-            <a:p>
-              <a:pPr algn="ctr" fontAlgn="auto">
-                <a:spcBef>
-                  <a:spcPts val="0"/>
-                </a:spcBef>
-                <a:spcAft>
-                  <a:spcPts val="0"/>
-                </a:spcAft>
-                <a:buFontTx/>
-                <a:buNone/>
-                <a:defRPr/>
-              </a:pPr>
-              <a:endParaRPr lang="zh-CN" altLang="en-US" dirty="0">
-                <a:solidFill>
-                  <a:srgbClr val="69B4B4"/>
-                </a:solidFill>
-                <a:cs typeface="+mn-ea"/>
-                <a:sym typeface="+mn-lt"/>
-              </a:endParaRPr>
-            </a:p>
-          </p:txBody>
-        </p:sp>
-        <p:sp>
-          <p:nvSpPr>
-            <p:cNvPr id="6" name="燕尾形 5"/>
-            <p:cNvSpPr/>
-            <p:nvPr/>
-          </p:nvSpPr>
-          <p:spPr>
-            <a:xfrm>
-              <a:off x="3383" y="476"/>
-              <a:ext cx="313" cy="503"/>
-            </a:xfrm>
-            <a:prstGeom prst="chevron">
-              <a:avLst/>
-            </a:prstGeom>
-            <a:solidFill>
-              <a:srgbClr val="69B4B4"/>
-            </a:solidFill>
-            <a:ln>
-              <a:noFill/>
-            </a:ln>
-          </p:spPr>
-          <p:style>
-            <a:lnRef idx="2">
-              <a:schemeClr val="accent1">
-                <a:shade val="50000"/>
-              </a:schemeClr>
-            </a:lnRef>
-            <a:fillRef idx="1">
-              <a:schemeClr val="accent1"/>
-            </a:fillRef>
-            <a:effectRef idx="0">
-              <a:schemeClr val="accent1"/>
-            </a:effectRef>
-            <a:fontRef idx="minor">
-              <a:schemeClr val="lt1"/>
-            </a:fontRef>
-          </p:style>
-          <p:txBody>
-            <a:bodyPr anchor="ctr"/>
-            <a:lstStyle/>
-            <a:p>
-              <a:pPr algn="ctr" fontAlgn="auto">
-                <a:spcBef>
-                  <a:spcPts val="0"/>
-                </a:spcBef>
-                <a:spcAft>
-                  <a:spcPts val="0"/>
-                </a:spcAft>
-                <a:buFontTx/>
-                <a:buNone/>
-                <a:defRPr/>
-              </a:pPr>
-              <a:endParaRPr lang="zh-CN" altLang="en-US" dirty="0">
-                <a:solidFill>
-                  <a:srgbClr val="69B4B4"/>
-                </a:solidFill>
-                <a:cs typeface="+mn-ea"/>
-                <a:sym typeface="+mn-lt"/>
-              </a:endParaRPr>
-            </a:p>
-          </p:txBody>
-        </p:sp>
-      </p:grpSp>
       <p:pic>
         <p:nvPicPr>
-          <p:cNvPr id="53" name="图片 22"/>
+          <p:cNvPr id="7" name="图片 6"/>
           <p:cNvPicPr>
             <a:picLocks noChangeAspect="1"/>
           </p:cNvPicPr>
-          <p:nvPr>
-            <p:custDataLst>
-              <p:tags r:id="rId2"/>
-            </p:custDataLst>
-          </p:nvPr>
+          <p:nvPr/>
         </p:nvPicPr>
         <p:blipFill>
-          <a:blip r:embed="rId3"/>
+          <a:blip r:embed="rId1"/>
           <a:stretch>
             <a:fillRect/>
           </a:stretch>
         </p:blipFill>
         <p:spPr>
           <a:xfrm>
-            <a:off x="415290" y="1016635"/>
-            <a:ext cx="11304905" cy="5692775"/>
+            <a:off x="250825" y="276860"/>
+            <a:ext cx="11737340" cy="6062980"/>
           </a:xfrm>
           <a:prstGeom prst="rect">
             <a:avLst/>
           </a:prstGeom>
-          <a:noFill/>
-          <a:ln>
-            <a:noFill/>
-          </a:ln>
         </p:spPr>
       </p:pic>
     </p:spTree>
@@ -22985,20 +22159,28 @@
           <a:chExt cx="0" cy="0"/>
         </a:xfrm>
       </p:grpSpPr>
-      <p:sp>
-        <p:nvSpPr>
-          <p:cNvPr id="2" name="Title 6"/>
-          <p:cNvSpPr txBox="1"/>
+      <p:pic>
+        <p:nvPicPr>
+          <p:cNvPr id="53" name="图片 22"/>
+          <p:cNvPicPr>
+            <a:picLocks noChangeAspect="1"/>
+          </p:cNvPicPr>
           <p:nvPr>
             <p:custDataLst>
               <p:tags r:id="rId1"/>
             </p:custDataLst>
           </p:nvPr>
-        </p:nvSpPr>
+        </p:nvPicPr>
+        <p:blipFill>
+          <a:blip r:embed="rId2"/>
+          <a:stretch>
+            <a:fillRect/>
+          </a:stretch>
+        </p:blipFill>
         <p:spPr>
           <a:xfrm>
-            <a:off x="288925" y="241300"/>
-            <a:ext cx="6965950" cy="368935"/>
+            <a:off x="217805" y="254635"/>
+            <a:ext cx="11835765" cy="6172200"/>
           </a:xfrm>
           <a:prstGeom prst="rect">
             <a:avLst/>
@@ -23007,445 +22189,8 @@
           <a:ln>
             <a:noFill/>
           </a:ln>
-          <a:effectLst/>
-          <a:extLst>
-            <a:ext uri="{909E8E84-426E-40DD-AFC4-6F175D3DCCD1}">
-              <a14:hiddenFill xmlns:a14="http://schemas.microsoft.com/office/drawing/2010/main">
-                <a:solidFill>
-                  <a:srgbClr val="FFFFFF"/>
-                </a:solidFill>
-              </a14:hiddenFill>
-            </a:ext>
-            <a:ext uri="{91240B29-F687-4F45-9708-019B960494DF}">
-              <a14:hiddenLine xmlns:a14="http://schemas.microsoft.com/office/drawing/2010/main" w="9525">
-                <a:solidFill>
-                  <a:srgbClr val="000000"/>
-                </a:solidFill>
-                <a:miter lim="800000"/>
-                <a:headEnd/>
-                <a:tailEnd/>
-              </a14:hiddenLine>
-            </a:ext>
-          </a:extLst>
         </p:spPr>
-        <p:txBody>
-          <a:bodyPr wrap="square" lIns="0" tIns="0" rIns="0" bIns="0">
-            <a:spAutoFit/>
-          </a:bodyPr>
-          <a:lstStyle>
-            <a:defPPr>
-              <a:defRPr lang="zh-CN"/>
-            </a:defPPr>
-            <a:lvl1pPr algn="r">
-              <a:spcBef>
-                <a:spcPct val="20000"/>
-              </a:spcBef>
-              <a:buFont typeface="Arial" panose="020B0604020202020204" pitchFamily="34" charset="0"/>
-              <a:buNone/>
-              <a:defRPr sz="6000">
-                <a:gradFill>
-                  <a:gsLst>
-                    <a:gs pos="0">
-                      <a:srgbClr val="69B4B4"/>
-                    </a:gs>
-                    <a:gs pos="100000">
-                      <a:srgbClr val="2A5294"/>
-                    </a:gs>
-                  </a:gsLst>
-                  <a:lin ang="5400000" scaled="0"/>
-                </a:gradFill>
-                <a:cs typeface="+mn-ea"/>
-              </a:defRPr>
-            </a:lvl1pPr>
-            <a:lvl2pPr marL="742950" indent="-285750">
-              <a:spcBef>
-                <a:spcPct val="20000"/>
-              </a:spcBef>
-              <a:buFont typeface="Arial" panose="020B0604020202020204" pitchFamily="34" charset="0"/>
-              <a:buChar char="–"/>
-              <a:defRPr sz="2800">
-                <a:latin typeface="微软雅黑" panose="020B0503020204020204" charset="-122"/>
-                <a:ea typeface="微软雅黑" panose="020B0503020204020204" charset="-122"/>
-              </a:defRPr>
-            </a:lvl2pPr>
-            <a:lvl3pPr marL="1143000" indent="-228600">
-              <a:spcBef>
-                <a:spcPct val="20000"/>
-              </a:spcBef>
-              <a:buFont typeface="Arial" panose="020B0604020202020204" pitchFamily="34" charset="0"/>
-              <a:buChar char="•"/>
-              <a:defRPr sz="2400">
-                <a:latin typeface="微软雅黑" panose="020B0503020204020204" charset="-122"/>
-                <a:ea typeface="微软雅黑" panose="020B0503020204020204" charset="-122"/>
-              </a:defRPr>
-            </a:lvl3pPr>
-            <a:lvl4pPr marL="1600200" indent="-228600">
-              <a:spcBef>
-                <a:spcPct val="20000"/>
-              </a:spcBef>
-              <a:buFont typeface="Arial" panose="020B0604020202020204" pitchFamily="34" charset="0"/>
-              <a:buChar char="–"/>
-              <a:defRPr sz="2000">
-                <a:latin typeface="微软雅黑" panose="020B0503020204020204" charset="-122"/>
-                <a:ea typeface="微软雅黑" panose="020B0503020204020204" charset="-122"/>
-              </a:defRPr>
-            </a:lvl4pPr>
-            <a:lvl5pPr marL="2057400" indent="-228600">
-              <a:spcBef>
-                <a:spcPct val="20000"/>
-              </a:spcBef>
-              <a:buFont typeface="Arial" panose="020B0604020202020204" pitchFamily="34" charset="0"/>
-              <a:buChar char="»"/>
-              <a:defRPr sz="2000">
-                <a:latin typeface="微软雅黑" panose="020B0503020204020204" charset="-122"/>
-                <a:ea typeface="微软雅黑" panose="020B0503020204020204" charset="-122"/>
-              </a:defRPr>
-            </a:lvl5pPr>
-            <a:lvl6pPr marL="2514600" indent="-228600" eaLnBrk="0" fontAlgn="base" hangingPunct="0">
-              <a:spcBef>
-                <a:spcPct val="20000"/>
-              </a:spcBef>
-              <a:spcAft>
-                <a:spcPct val="0"/>
-              </a:spcAft>
-              <a:buFont typeface="Arial" panose="020B0604020202020204" pitchFamily="34" charset="0"/>
-              <a:buChar char="»"/>
-              <a:defRPr sz="2000">
-                <a:latin typeface="微软雅黑" panose="020B0503020204020204" charset="-122"/>
-                <a:ea typeface="微软雅黑" panose="020B0503020204020204" charset="-122"/>
-              </a:defRPr>
-            </a:lvl6pPr>
-            <a:lvl7pPr marL="2971800" indent="-228600" eaLnBrk="0" fontAlgn="base" hangingPunct="0">
-              <a:spcBef>
-                <a:spcPct val="20000"/>
-              </a:spcBef>
-              <a:spcAft>
-                <a:spcPct val="0"/>
-              </a:spcAft>
-              <a:buFont typeface="Arial" panose="020B0604020202020204" pitchFamily="34" charset="0"/>
-              <a:buChar char="»"/>
-              <a:defRPr sz="2000">
-                <a:latin typeface="微软雅黑" panose="020B0503020204020204" charset="-122"/>
-                <a:ea typeface="微软雅黑" panose="020B0503020204020204" charset="-122"/>
-              </a:defRPr>
-            </a:lvl7pPr>
-            <a:lvl8pPr marL="3429000" indent="-228600" eaLnBrk="0" fontAlgn="base" hangingPunct="0">
-              <a:spcBef>
-                <a:spcPct val="20000"/>
-              </a:spcBef>
-              <a:spcAft>
-                <a:spcPct val="0"/>
-              </a:spcAft>
-              <a:buFont typeface="Arial" panose="020B0604020202020204" pitchFamily="34" charset="0"/>
-              <a:buChar char="»"/>
-              <a:defRPr sz="2000">
-                <a:latin typeface="微软雅黑" panose="020B0503020204020204" charset="-122"/>
-                <a:ea typeface="微软雅黑" panose="020B0503020204020204" charset="-122"/>
-              </a:defRPr>
-            </a:lvl8pPr>
-            <a:lvl9pPr marL="3886200" indent="-228600" eaLnBrk="0" fontAlgn="base" hangingPunct="0">
-              <a:spcBef>
-                <a:spcPct val="20000"/>
-              </a:spcBef>
-              <a:spcAft>
-                <a:spcPct val="0"/>
-              </a:spcAft>
-              <a:buFont typeface="Arial" panose="020B0604020202020204" pitchFamily="34" charset="0"/>
-              <a:buChar char="»"/>
-              <a:defRPr sz="2000">
-                <a:latin typeface="微软雅黑" panose="020B0503020204020204" charset="-122"/>
-                <a:ea typeface="微软雅黑" panose="020B0503020204020204" charset="-122"/>
-              </a:defRPr>
-            </a:lvl9pPr>
-          </a:lstStyle>
-          <a:p>
-            <a:pPr algn="l"/>
-            <a:r>
-              <a:rPr lang="en-US" altLang="zh-CN" sz="2400" kern="0" noProof="0" dirty="0" smtClean="0">
-                <a:ln>
-                  <a:noFill/>
-                </a:ln>
-                <a:solidFill>
-                  <a:prstClr val="white">
-                    <a:lumMod val="50000"/>
-                  </a:prstClr>
-                </a:solidFill>
-                <a:effectLst/>
-                <a:uLnTx/>
-                <a:uFillTx/>
-                <a:sym typeface="+mn-lt"/>
-              </a:rPr>
-              <a:t>2</a:t>
-            </a:r>
-            <a:r>
-              <a:rPr lang="zh-CN" altLang="en-US" sz="2400" kern="0" noProof="0" dirty="0" smtClean="0">
-                <a:ln>
-                  <a:noFill/>
-                </a:ln>
-                <a:solidFill>
-                  <a:prstClr val="white">
-                    <a:lumMod val="50000"/>
-                  </a:prstClr>
-                </a:solidFill>
-                <a:effectLst/>
-                <a:uLnTx/>
-                <a:uFillTx/>
-                <a:sym typeface="+mn-lt"/>
-              </a:rPr>
-              <a:t>、</a:t>
-            </a:r>
-            <a:r>
-              <a:rPr lang="en-US" altLang="zh-CN" sz="2400" kern="0" noProof="0" dirty="0" smtClean="0">
-                <a:ln>
-                  <a:noFill/>
-                </a:ln>
-                <a:solidFill>
-                  <a:prstClr val="white">
-                    <a:lumMod val="50000"/>
-                  </a:prstClr>
-                </a:solidFill>
-                <a:effectLst/>
-                <a:uLnTx/>
-                <a:uFillTx/>
-                <a:sym typeface="+mn-lt"/>
-              </a:rPr>
-              <a:t>docker</a:t>
-            </a:r>
-            <a:r>
-              <a:rPr lang="zh-CN" altLang="en-US" sz="2400" kern="0" noProof="0" dirty="0" smtClean="0">
-                <a:ln>
-                  <a:noFill/>
-                </a:ln>
-                <a:solidFill>
-                  <a:prstClr val="white">
-                    <a:lumMod val="50000"/>
-                  </a:prstClr>
-                </a:solidFill>
-                <a:effectLst/>
-                <a:uLnTx/>
-                <a:uFillTx/>
-                <a:sym typeface="+mn-lt"/>
-              </a:rPr>
-              <a:t>部署前端应用、后端服务、数据库脚本</a:t>
-            </a:r>
-            <a:endParaRPr lang="en-US" altLang="zh-CN" sz="2400" kern="0" noProof="0" dirty="0" smtClean="0">
-              <a:ln>
-                <a:noFill/>
-              </a:ln>
-              <a:solidFill>
-                <a:prstClr val="white">
-                  <a:lumMod val="50000"/>
-                </a:prstClr>
-              </a:solidFill>
-              <a:effectLst/>
-              <a:uLnTx/>
-              <a:uFillTx/>
-              <a:sym typeface="+mn-lt"/>
-            </a:endParaRPr>
-          </a:p>
-        </p:txBody>
-      </p:sp>
-      <p:grpSp>
-        <p:nvGrpSpPr>
-          <p:cNvPr id="3" name="组合 2"/>
-          <p:cNvGrpSpPr/>
-          <p:nvPr/>
-        </p:nvGrpSpPr>
-        <p:grpSpPr>
-          <a:xfrm>
-            <a:off x="7097583" y="320040"/>
-            <a:ext cx="445770" cy="289560"/>
-            <a:chOff x="2921" y="476"/>
-            <a:chExt cx="774" cy="502"/>
-          </a:xfrm>
-        </p:grpSpPr>
-        <p:sp>
-          <p:nvSpPr>
-            <p:cNvPr id="4" name="燕尾形 3"/>
-            <p:cNvSpPr/>
-            <p:nvPr/>
-          </p:nvSpPr>
-          <p:spPr>
-            <a:xfrm>
-              <a:off x="2921" y="476"/>
-              <a:ext cx="312" cy="503"/>
-            </a:xfrm>
-            <a:prstGeom prst="chevron">
-              <a:avLst/>
-            </a:prstGeom>
-            <a:solidFill>
-              <a:srgbClr val="69B4B4"/>
-            </a:solidFill>
-            <a:ln>
-              <a:noFill/>
-            </a:ln>
-          </p:spPr>
-          <p:style>
-            <a:lnRef idx="2">
-              <a:schemeClr val="accent1">
-                <a:shade val="50000"/>
-              </a:schemeClr>
-            </a:lnRef>
-            <a:fillRef idx="1">
-              <a:schemeClr val="accent1"/>
-            </a:fillRef>
-            <a:effectRef idx="0">
-              <a:schemeClr val="accent1"/>
-            </a:effectRef>
-            <a:fontRef idx="minor">
-              <a:schemeClr val="lt1"/>
-            </a:fontRef>
-          </p:style>
-          <p:txBody>
-            <a:bodyPr anchor="ctr"/>
-            <a:lstStyle/>
-            <a:p>
-              <a:pPr algn="ctr" fontAlgn="auto">
-                <a:spcBef>
-                  <a:spcPts val="0"/>
-                </a:spcBef>
-                <a:spcAft>
-                  <a:spcPts val="0"/>
-                </a:spcAft>
-                <a:buFontTx/>
-                <a:buNone/>
-                <a:defRPr/>
-              </a:pPr>
-              <a:endParaRPr lang="zh-CN" altLang="en-US" dirty="0">
-                <a:solidFill>
-                  <a:srgbClr val="69B4B4"/>
-                </a:solidFill>
-                <a:cs typeface="+mn-ea"/>
-                <a:sym typeface="+mn-lt"/>
-              </a:endParaRPr>
-            </a:p>
-          </p:txBody>
-        </p:sp>
-        <p:sp>
-          <p:nvSpPr>
-            <p:cNvPr id="5" name="燕尾形 4"/>
-            <p:cNvSpPr/>
-            <p:nvPr/>
-          </p:nvSpPr>
-          <p:spPr>
-            <a:xfrm>
-              <a:off x="3153" y="476"/>
-              <a:ext cx="310" cy="503"/>
-            </a:xfrm>
-            <a:prstGeom prst="chevron">
-              <a:avLst/>
-            </a:prstGeom>
-            <a:solidFill>
-              <a:srgbClr val="69B4B4"/>
-            </a:solidFill>
-            <a:ln>
-              <a:noFill/>
-            </a:ln>
-          </p:spPr>
-          <p:style>
-            <a:lnRef idx="2">
-              <a:schemeClr val="accent1">
-                <a:shade val="50000"/>
-              </a:schemeClr>
-            </a:lnRef>
-            <a:fillRef idx="1">
-              <a:schemeClr val="accent1"/>
-            </a:fillRef>
-            <a:effectRef idx="0">
-              <a:schemeClr val="accent1"/>
-            </a:effectRef>
-            <a:fontRef idx="minor">
-              <a:schemeClr val="lt1"/>
-            </a:fontRef>
-          </p:style>
-          <p:txBody>
-            <a:bodyPr anchor="ctr"/>
-            <a:lstStyle/>
-            <a:p>
-              <a:pPr algn="ctr" fontAlgn="auto">
-                <a:spcBef>
-                  <a:spcPts val="0"/>
-                </a:spcBef>
-                <a:spcAft>
-                  <a:spcPts val="0"/>
-                </a:spcAft>
-                <a:buFontTx/>
-                <a:buNone/>
-                <a:defRPr/>
-              </a:pPr>
-              <a:endParaRPr lang="zh-CN" altLang="en-US" dirty="0">
-                <a:solidFill>
-                  <a:srgbClr val="69B4B4"/>
-                </a:solidFill>
-                <a:cs typeface="+mn-ea"/>
-                <a:sym typeface="+mn-lt"/>
-              </a:endParaRPr>
-            </a:p>
-          </p:txBody>
-        </p:sp>
-        <p:sp>
-          <p:nvSpPr>
-            <p:cNvPr id="6" name="燕尾形 5"/>
-            <p:cNvSpPr/>
-            <p:nvPr/>
-          </p:nvSpPr>
-          <p:spPr>
-            <a:xfrm>
-              <a:off x="3383" y="476"/>
-              <a:ext cx="313" cy="503"/>
-            </a:xfrm>
-            <a:prstGeom prst="chevron">
-              <a:avLst/>
-            </a:prstGeom>
-            <a:solidFill>
-              <a:srgbClr val="69B4B4"/>
-            </a:solidFill>
-            <a:ln>
-              <a:noFill/>
-            </a:ln>
-          </p:spPr>
-          <p:style>
-            <a:lnRef idx="2">
-              <a:schemeClr val="accent1">
-                <a:shade val="50000"/>
-              </a:schemeClr>
-            </a:lnRef>
-            <a:fillRef idx="1">
-              <a:schemeClr val="accent1"/>
-            </a:fillRef>
-            <a:effectRef idx="0">
-              <a:schemeClr val="accent1"/>
-            </a:effectRef>
-            <a:fontRef idx="minor">
-              <a:schemeClr val="lt1"/>
-            </a:fontRef>
-          </p:style>
-          <p:txBody>
-            <a:bodyPr anchor="ctr"/>
-            <a:lstStyle/>
-            <a:p>
-              <a:pPr algn="ctr" fontAlgn="auto">
-                <a:spcBef>
-                  <a:spcPts val="0"/>
-                </a:spcBef>
-                <a:spcAft>
-                  <a:spcPts val="0"/>
-                </a:spcAft>
-                <a:buFontTx/>
-                <a:buNone/>
-                <a:defRPr/>
-              </a:pPr>
-              <a:endParaRPr lang="zh-CN" altLang="en-US" dirty="0">
-                <a:solidFill>
-                  <a:srgbClr val="69B4B4"/>
-                </a:solidFill>
-                <a:cs typeface="+mn-ea"/>
-                <a:sym typeface="+mn-lt"/>
-              </a:endParaRPr>
-            </a:p>
-          </p:txBody>
-        </p:sp>
-      </p:grpSp>
+      </p:pic>
     </p:spTree>
   </p:cSld>
   <p:clrMapOvr>
@@ -30007,33 +28752,25 @@
 
 <file path=ppt/tags/tag164.xml><?xml version="1.0" encoding="utf-8"?>
 <p:tagLst xmlns:p="http://schemas.openxmlformats.org/presentationml/2006/main">
-  <p:tag name="KSO_WM_UNIT_TEXTBOXSTYLE_SHAPETYPE" val="0"/>
-  <p:tag name="KSO_WM_UNIT_TEXTBOXSTYLE_TEMPLATETYPE" val="1"/>
-  <p:tag name="KSO_WM_UNIT_ISCONTENTSTITLE" val="0"/>
-  <p:tag name="KSO_WM_UNIT_NOCLEAR" val="0"/>
-  <p:tag name="KSO_WM_UNIT_VALUE" val="35"/>
-  <p:tag name="KSO_WM_UNIT_HIGHLIGHT" val="0"/>
-  <p:tag name="KSO_WM_UNIT_COMPATIBLE" val="0"/>
-  <p:tag name="KSO_WM_UNIT_DIAGRAM_ISNUMVISUAL" val="0"/>
-  <p:tag name="KSO_WM_UNIT_DIAGRAM_ISREFERUNIT" val="0"/>
-  <p:tag name="KSO_WM_UNIT_TYPE" val="a"/>
-  <p:tag name="KSO_WM_UNIT_INDEX" val="1"/>
-  <p:tag name="KSO_WM_UNIT_ID" val="mixed20201883_98*a*1"/>
-  <p:tag name="KSO_WM_TEMPLATE_CATEGORY" val="mixed"/>
-  <p:tag name="KSO_WM_TEMPLATE_INDEX" val="20201883"/>
-  <p:tag name="KSO_WM_UNIT_LAYERLEVEL" val="1"/>
-  <p:tag name="KSO_WM_TAG_VERSION" val="1.0"/>
-  <p:tag name="KSO_WM_BEAUTIFY_FLAG" val="#wm#"/>
-  <p:tag name="KSO_WM_UNIT_PRESET_TEXT" val="单击此处输入正文标题内容"/>
-  <p:tag name="KSO_WM_UNIT_TEXTBOXSTYLE_GUID" val="{b7ac5097-dede-4cbb-aabe-df0a49354ae8}"/>
-  <p:tag name="KSO_WM_UNIT_TEXTBOXSTYLE_TEMPLATEID" val="3131121"/>
-  <p:tag name="KSO_WM_UNIT_TEXTBOXSTYLE_TYPE" val="3"/>
+  <p:tag name="KSO_WM_BEAUTIFY_FLAG" val=""/>
 </p:tagLst>
 </file>
 
 <file path=ppt/tags/tag165.xml><?xml version="1.0" encoding="utf-8"?>
 <p:tagLst xmlns:p="http://schemas.openxmlformats.org/presentationml/2006/main">
-  <p:tag name="KSO_WM_BEAUTIFY_FLAG" val=""/>
+  <p:tag name="KSO_WM_TEMPLATE_THUMBS_INDEX" val="1"/>
+  <p:tag name="KSO_WM_SLIDE_ID" val="custom20187308_1"/>
+  <p:tag name="KSO_WM_TEMPLATE_SUBCATEGORY" val="0"/>
+  <p:tag name="KSO_WM_SLIDE_TYPE" val="title"/>
+  <p:tag name="KSO_WM_SLIDE_SUBTYPE" val="defaultBlank"/>
+  <p:tag name="KSO_WM_SLIDE_ITEM_CNT" val="0"/>
+  <p:tag name="KSO_WM_SLIDE_INDEX" val="1"/>
+  <p:tag name="KSO_WM_TAG_VERSION" val="1.0"/>
+  <p:tag name="KSO_WM_BEAUTIFY_FLAG" val="#wm#"/>
+  <p:tag name="KSO_WM_TEMPLATE_CATEGORY" val="custom"/>
+  <p:tag name="KSO_WM_TEMPLATE_INDEX" val="20187308"/>
+  <p:tag name="KSO_WM_SLIDE_LAYOUT" val="a_b"/>
+  <p:tag name="KSO_WM_SLIDE_LAYOUT_CNT" val="1_1"/>
 </p:tagLst>
 </file>
 
@@ -30065,6 +28802,18 @@
 
 <file path=ppt/tags/tag167.xml><?xml version="1.0" encoding="utf-8"?>
 <p:tagLst xmlns:p="http://schemas.openxmlformats.org/presentationml/2006/main">
+  <p:tag name="KSO_WM_BEAUTIFY_FLAG" val=""/>
+</p:tagLst>
+</file>
+
+<file path=ppt/tags/tag168.xml><?xml version="1.0" encoding="utf-8"?>
+<p:tagLst xmlns:p="http://schemas.openxmlformats.org/presentationml/2006/main">
+  <p:tag name="KSO_WM_BEAUTIFY_FLAG" val=""/>
+</p:tagLst>
+</file>
+
+<file path=ppt/tags/tag169.xml><?xml version="1.0" encoding="utf-8"?>
+<p:tagLst xmlns:p="http://schemas.openxmlformats.org/presentationml/2006/main">
   <p:tag name="KSO_WM_TEMPLATE_THUMBS_INDEX" val="1"/>
   <p:tag name="KSO_WM_SLIDE_ID" val="custom20187308_1"/>
   <p:tag name="KSO_WM_TEMPLATE_SUBCATEGORY" val="0"/>
@@ -30078,38 +28827,6 @@
   <p:tag name="KSO_WM_TEMPLATE_INDEX" val="20187308"/>
   <p:tag name="KSO_WM_SLIDE_LAYOUT" val="a_b"/>
   <p:tag name="KSO_WM_SLIDE_LAYOUT_CNT" val="1_1"/>
-</p:tagLst>
-</file>
-
-<file path=ppt/tags/tag168.xml><?xml version="1.0" encoding="utf-8"?>
-<p:tagLst xmlns:p="http://schemas.openxmlformats.org/presentationml/2006/main">
-  <p:tag name="KSO_WM_UNIT_TEXTBOXSTYLE_SHAPETYPE" val="0"/>
-  <p:tag name="KSO_WM_UNIT_TEXTBOXSTYLE_TEMPLATETYPE" val="1"/>
-  <p:tag name="KSO_WM_UNIT_ISCONTENTSTITLE" val="0"/>
-  <p:tag name="KSO_WM_UNIT_NOCLEAR" val="0"/>
-  <p:tag name="KSO_WM_UNIT_VALUE" val="35"/>
-  <p:tag name="KSO_WM_UNIT_HIGHLIGHT" val="0"/>
-  <p:tag name="KSO_WM_UNIT_COMPATIBLE" val="0"/>
-  <p:tag name="KSO_WM_UNIT_DIAGRAM_ISNUMVISUAL" val="0"/>
-  <p:tag name="KSO_WM_UNIT_DIAGRAM_ISREFERUNIT" val="0"/>
-  <p:tag name="KSO_WM_UNIT_TYPE" val="a"/>
-  <p:tag name="KSO_WM_UNIT_INDEX" val="1"/>
-  <p:tag name="KSO_WM_UNIT_ID" val="mixed20201883_98*a*1"/>
-  <p:tag name="KSO_WM_TEMPLATE_CATEGORY" val="mixed"/>
-  <p:tag name="KSO_WM_TEMPLATE_INDEX" val="20201883"/>
-  <p:tag name="KSO_WM_UNIT_LAYERLEVEL" val="1"/>
-  <p:tag name="KSO_WM_TAG_VERSION" val="1.0"/>
-  <p:tag name="KSO_WM_BEAUTIFY_FLAG" val="#wm#"/>
-  <p:tag name="KSO_WM_UNIT_PRESET_TEXT" val="单击此处输入正文标题内容"/>
-  <p:tag name="KSO_WM_UNIT_TEXTBOXSTYLE_GUID" val="{b7ac5097-dede-4cbb-aabe-df0a49354ae8}"/>
-  <p:tag name="KSO_WM_UNIT_TEXTBOXSTYLE_TEMPLATEID" val="3131121"/>
-  <p:tag name="KSO_WM_UNIT_TEXTBOXSTYLE_TYPE" val="3"/>
-</p:tagLst>
-</file>
-
-<file path=ppt/tags/tag169.xml><?xml version="1.0" encoding="utf-8"?>
-<p:tagLst xmlns:p="http://schemas.openxmlformats.org/presentationml/2006/main">
-  <p:tag name="KSO_WM_BEAUTIFY_FLAG" val=""/>
 </p:tagLst>
 </file>
 
@@ -30127,30 +28844,6 @@
 </file>
 
 <file path=ppt/tags/tag170.xml><?xml version="1.0" encoding="utf-8"?>
-<p:tagLst xmlns:p="http://schemas.openxmlformats.org/presentationml/2006/main">
-  <p:tag name="KSO_WM_BEAUTIFY_FLAG" val=""/>
-</p:tagLst>
-</file>
-
-<file path=ppt/tags/tag171.xml><?xml version="1.0" encoding="utf-8"?>
-<p:tagLst xmlns:p="http://schemas.openxmlformats.org/presentationml/2006/main">
-  <p:tag name="KSO_WM_TEMPLATE_THUMBS_INDEX" val="1"/>
-  <p:tag name="KSO_WM_SLIDE_ID" val="custom20187308_1"/>
-  <p:tag name="KSO_WM_TEMPLATE_SUBCATEGORY" val="0"/>
-  <p:tag name="KSO_WM_SLIDE_TYPE" val="title"/>
-  <p:tag name="KSO_WM_SLIDE_SUBTYPE" val="defaultBlank"/>
-  <p:tag name="KSO_WM_SLIDE_ITEM_CNT" val="0"/>
-  <p:tag name="KSO_WM_SLIDE_INDEX" val="1"/>
-  <p:tag name="KSO_WM_TAG_VERSION" val="1.0"/>
-  <p:tag name="KSO_WM_BEAUTIFY_FLAG" val="#wm#"/>
-  <p:tag name="KSO_WM_TEMPLATE_CATEGORY" val="custom"/>
-  <p:tag name="KSO_WM_TEMPLATE_INDEX" val="20187308"/>
-  <p:tag name="KSO_WM_SLIDE_LAYOUT" val="a_b"/>
-  <p:tag name="KSO_WM_SLIDE_LAYOUT_CNT" val="1_1"/>
-</p:tagLst>
-</file>
-
-<file path=ppt/tags/tag172.xml><?xml version="1.0" encoding="utf-8"?>
 <p:tagLst xmlns:p="http://schemas.openxmlformats.org/presentationml/2006/main">
   <p:tag name="KSO_WPP_MARK_KEY" val="168f3b08-2e06-4f2e-964e-ae4c3012d4cb"/>
   <p:tag name="COMMONDATA" val="eyJoZGlkIjoiNWZkNTM0ZWU5ODA2ZTBhZTMzYzFlZDQzNjFiNjkwNGUifQ=="/>
